--- a/modules/module02/functions.pptx
+++ b/modules/module02/functions.pptx
@@ -5,7 +5,7 @@
     <p:sldMasterId id="2147483648" r:id="rId1"/>
   </p:sldMasterIdLst>
   <p:notesMasterIdLst>
-    <p:NotesMasterId r:id="rId7"/>
+    <p:NotesMasterId r:id="rId14"/>
   </p:notesMasterIdLst>
   <p:sldIdLst>
     <p:sldId id="256" r:id="rId2"/>
@@ -13,6 +13,13 @@
     <p:sldId id="258" r:id="rId4"/>
     <p:sldId id="259" r:id="rId5"/>
     <p:sldId id="260" r:id="rId6"/>
+    <p:sldId id="261" r:id="rId7"/>
+    <p:sldId id="262" r:id="rId8"/>
+    <p:sldId id="263" r:id="rId9"/>
+    <p:sldId id="264" r:id="rId10"/>
+    <p:sldId id="265" r:id="rId11"/>
+    <p:sldId id="266" r:id="rId12"/>
+    <p:sldId id="267" r:id="rId13"/>
   </p:sldIdLst>
   <p:sldSz cx="9144000" cy="6858000" type="screen4x3"/>
   <p:notesSz cx="6858000" cy="9144000"/>
@@ -212,7 +219,7 @@
           <a:p>
             <a:fld id="{0F9C1CCF-B725-44A7-AA57-5E433BD85C9F}" type="datetimeFigureOut">
               <a:rPr lang="en-US" smtClean="0"/>
-              <a:t>2/17/2018</a:t>
+              <a:t>4/5/2019</a:t>
             </a:fld>
             <a:endParaRPr lang="en-US"/>
           </a:p>
@@ -625,7 +632,119 @@
             </a:r>
             <a:r>
               <a:rPr/>
-              <a:t>century</a:t>
+              <a:t>century.</a:t>
+            </a:r>
+            <a:r>
+              <a:rPr/>
+              <a:t> </a:t>
+            </a:r>
+            <a:r>
+              <a:rPr/>
+              <a:t>He</a:t>
+            </a:r>
+            <a:r>
+              <a:rPr/>
+              <a:t> </a:t>
+            </a:r>
+            <a:r>
+              <a:rPr/>
+              <a:t>developed</a:t>
+            </a:r>
+            <a:r>
+              <a:rPr/>
+              <a:t> </a:t>
+            </a:r>
+            <a:r>
+              <a:rPr/>
+              <a:t>a</a:t>
+            </a:r>
+            <a:r>
+              <a:rPr/>
+              <a:t> </a:t>
+            </a:r>
+            <a:r>
+              <a:rPr/>
+              <a:t>method</a:t>
+            </a:r>
+            <a:r>
+              <a:rPr/>
+              <a:t> </a:t>
+            </a:r>
+            <a:r>
+              <a:rPr/>
+              <a:t>to</a:t>
+            </a:r>
+            <a:r>
+              <a:rPr/>
+              <a:t> </a:t>
+            </a:r>
+            <a:r>
+              <a:rPr/>
+              <a:t>approximate</a:t>
+            </a:r>
+            <a:r>
+              <a:rPr/>
+              <a:t> </a:t>
+            </a:r>
+            <a:r>
+              <a:rPr/>
+              <a:t>the</a:t>
+            </a:r>
+            <a:r>
+              <a:rPr/>
+              <a:t> </a:t>
+            </a:r>
+            <a:r>
+              <a:rPr/>
+              <a:t>root</a:t>
+            </a:r>
+            <a:r>
+              <a:rPr/>
+              <a:t> </a:t>
+            </a:r>
+            <a:r>
+              <a:rPr/>
+              <a:t>of</a:t>
+            </a:r>
+            <a:r>
+              <a:rPr/>
+              <a:t> </a:t>
+            </a:r>
+            <a:r>
+              <a:rPr/>
+              <a:t>a</a:t>
+            </a:r>
+            <a:r>
+              <a:rPr/>
+              <a:t> </a:t>
+            </a:r>
+            <a:r>
+              <a:rPr/>
+              <a:t>cubic</a:t>
+            </a:r>
+            <a:r>
+              <a:rPr/>
+              <a:t> </a:t>
+            </a:r>
+            <a:r>
+              <a:rPr/>
+              <a:t>equation.</a:t>
+            </a:r>
+            <a:r>
+              <a:rPr/>
+              <a:t> </a:t>
+            </a:r>
+            <a:r>
+              <a:rPr/>
+              <a:t>He</a:t>
+            </a:r>
+            <a:r>
+              <a:rPr/>
+              <a:t> </a:t>
+            </a:r>
+            <a:r>
+              <a:rPr/>
+              <a:t>lived</a:t>
             </a:r>
             <a:r>
               <a:rPr/>
@@ -641,31 +760,15 @@
             </a:r>
             <a:r>
               <a:rPr/>
-              <a:t>what</a:t>
-            </a:r>
-            <a:r>
-              <a:rPr/>
-              <a:t> </a:t>
-            </a:r>
-            <a:r>
-              <a:rPr/>
-              <a:t>are</a:t>
-            </a:r>
-            <a:r>
-              <a:rPr/>
-              <a:t> </a:t>
-            </a:r>
-            <a:r>
-              <a:rPr/>
-              <a:t>today</a:t>
-            </a:r>
-            <a:r>
-              <a:rPr/>
-              <a:t> </a:t>
-            </a:r>
-            <a:r>
-              <a:rPr/>
-              <a:t>Syria</a:t>
+              <a:t>Damascus,</a:t>
+            </a:r>
+            <a:r>
+              <a:rPr/>
+              <a:t> </a:t>
+            </a:r>
+            <a:r>
+              <a:rPr/>
+              <a:t>Aleppo</a:t>
             </a:r>
             <a:r>
               <a:rPr/>
@@ -681,7 +784,175 @@
             </a:r>
             <a:r>
               <a:rPr/>
-              <a:t>Iraq,</a:t>
+              <a:t>Mosul.</a:t>
+            </a:r>
+            <a:r>
+              <a:rPr/>
+              <a:t> </a:t>
+            </a:r>
+            <a:r>
+              <a:rPr/>
+              <a:t>You</a:t>
+            </a:r>
+            <a:r>
+              <a:rPr/>
+              <a:t> </a:t>
+            </a:r>
+            <a:r>
+              <a:rPr/>
+              <a:t>may</a:t>
+            </a:r>
+            <a:r>
+              <a:rPr/>
+              <a:t> </a:t>
+            </a:r>
+            <a:r>
+              <a:rPr/>
+              <a:t>be</a:t>
+            </a:r>
+            <a:r>
+              <a:rPr/>
+              <a:t> </a:t>
+            </a:r>
+            <a:r>
+              <a:rPr/>
+              <a:t>familiar</a:t>
+            </a:r>
+            <a:r>
+              <a:rPr/>
+              <a:t> </a:t>
+            </a:r>
+            <a:r>
+              <a:rPr/>
+              <a:t>with</a:t>
+            </a:r>
+            <a:r>
+              <a:rPr/>
+              <a:t> </a:t>
+            </a:r>
+            <a:r>
+              <a:rPr/>
+              <a:t>some</a:t>
+            </a:r>
+            <a:r>
+              <a:rPr/>
+              <a:t> </a:t>
+            </a:r>
+            <a:r>
+              <a:rPr/>
+              <a:t>of</a:t>
+            </a:r>
+            <a:r>
+              <a:rPr/>
+              <a:t> </a:t>
+            </a:r>
+            <a:r>
+              <a:rPr/>
+              <a:t>those</a:t>
+            </a:r>
+            <a:r>
+              <a:rPr/>
+              <a:t> </a:t>
+            </a:r>
+            <a:r>
+              <a:rPr/>
+              <a:t>places</a:t>
+            </a:r>
+            <a:r>
+              <a:rPr/>
+              <a:t> </a:t>
+            </a:r>
+            <a:r>
+              <a:rPr/>
+              <a:t>from</a:t>
+            </a:r>
+            <a:r>
+              <a:rPr/>
+              <a:t> </a:t>
+            </a:r>
+            <a:r>
+              <a:rPr/>
+              <a:t>the</a:t>
+            </a:r>
+            <a:r>
+              <a:rPr/>
+              <a:t> </a:t>
+            </a:r>
+            <a:r>
+              <a:rPr/>
+              <a:t>media?</a:t>
+            </a:r>
+            <a:r>
+              <a:rPr/>
+              <a:t> </a:t>
+            </a:r>
+            <a:r>
+              <a:rPr/>
+              <a:t>It’s</a:t>
+            </a:r>
+            <a:r>
+              <a:rPr/>
+              <a:t> </a:t>
+            </a:r>
+            <a:r>
+              <a:rPr/>
+              <a:t>important</a:t>
+            </a:r>
+            <a:r>
+              <a:rPr/>
+              <a:t> </a:t>
+            </a:r>
+            <a:r>
+              <a:rPr/>
+              <a:t>to</a:t>
+            </a:r>
+            <a:r>
+              <a:rPr/>
+              <a:t> </a:t>
+            </a:r>
+            <a:r>
+              <a:rPr/>
+              <a:t>remember</a:t>
+            </a:r>
+            <a:r>
+              <a:rPr/>
+              <a:t> </a:t>
+            </a:r>
+            <a:r>
+              <a:rPr/>
+              <a:t>that</a:t>
+            </a:r>
+            <a:r>
+              <a:rPr/>
+              <a:t> </a:t>
+            </a:r>
+            <a:r>
+              <a:rPr/>
+              <a:t>computer</a:t>
+            </a:r>
+            <a:r>
+              <a:rPr/>
+              <a:t> </a:t>
+            </a:r>
+            <a:r>
+              <a:rPr/>
+              <a:t>programming</a:t>
+            </a:r>
+            <a:r>
+              <a:rPr/>
+              <a:t> </a:t>
+            </a:r>
+            <a:r>
+              <a:rPr/>
+              <a:t>wasn’t</a:t>
+            </a:r>
+            <a:r>
+              <a:rPr/>
+              <a:t> </a:t>
+            </a:r>
+            <a:r>
+              <a:rPr/>
+              <a:t>invented</a:t>
             </a:r>
             <a:r>
               <a:rPr/>
@@ -697,31 +968,15 @@
             </a:r>
             <a:r>
               <a:rPr/>
-              <a:t>places</a:t>
-            </a:r>
-            <a:r>
-              <a:rPr/>
-              <a:t> </a:t>
-            </a:r>
-            <a:r>
-              <a:rPr/>
-              <a:t>like</a:t>
-            </a:r>
-            <a:r>
-              <a:rPr/>
-              <a:t> </a:t>
-            </a:r>
-            <a:r>
-              <a:rPr/>
-              <a:t>Damascus,</a:t>
-            </a:r>
-            <a:r>
-              <a:rPr/>
-              <a:t> </a:t>
-            </a:r>
-            <a:r>
-              <a:rPr/>
-              <a:t>Aleppo</a:t>
+              <a:t>Silicon</a:t>
+            </a:r>
+            <a:r>
+              <a:rPr/>
+              <a:t> </a:t>
+            </a:r>
+            <a:r>
+              <a:rPr/>
+              <a:t>Valley,</a:t>
             </a:r>
             <a:r>
               <a:rPr/>
@@ -737,39 +992,23 @@
             </a:r>
             <a:r>
               <a:rPr/>
-              <a:t>Mosul.</a:t>
-            </a:r>
-            <a:r>
-              <a:rPr/>
-              <a:t> </a:t>
-            </a:r>
-            <a:r>
-              <a:rPr/>
-              <a:t>You</a:t>
-            </a:r>
-            <a:r>
-              <a:rPr/>
-              <a:t> </a:t>
-            </a:r>
-            <a:r>
-              <a:rPr/>
-              <a:t>may</a:t>
-            </a:r>
-            <a:r>
-              <a:rPr/>
-              <a:t> </a:t>
-            </a:r>
-            <a:r>
-              <a:rPr/>
-              <a:t>be</a:t>
-            </a:r>
-            <a:r>
-              <a:rPr/>
-              <a:t> </a:t>
-            </a:r>
-            <a:r>
-              <a:rPr/>
-              <a:t>familiar</a:t>
+              <a:t>is</a:t>
+            </a:r>
+            <a:r>
+              <a:rPr/>
+              <a:t> </a:t>
+            </a:r>
+            <a:r>
+              <a:rPr/>
+              <a:t>a</a:t>
+            </a:r>
+            <a:r>
+              <a:rPr/>
+              <a:t> </a:t>
+            </a:r>
+            <a:r>
+              <a:rPr/>
+              <a:t>field</a:t>
             </a:r>
             <a:r>
               <a:rPr/>
@@ -785,174 +1024,6 @@
             </a:r>
             <a:r>
               <a:rPr/>
-              <a:t>some</a:t>
-            </a:r>
-            <a:r>
-              <a:rPr/>
-              <a:t> </a:t>
-            </a:r>
-            <a:r>
-              <a:rPr/>
-              <a:t>of</a:t>
-            </a:r>
-            <a:r>
-              <a:rPr/>
-              <a:t> </a:t>
-            </a:r>
-            <a:r>
-              <a:rPr/>
-              <a:t>those</a:t>
-            </a:r>
-            <a:r>
-              <a:rPr/>
-              <a:t> </a:t>
-            </a:r>
-            <a:r>
-              <a:rPr/>
-              <a:t>places</a:t>
-            </a:r>
-            <a:r>
-              <a:rPr/>
-              <a:t> </a:t>
-            </a:r>
-            <a:r>
-              <a:rPr/>
-              <a:t>from</a:t>
-            </a:r>
-            <a:r>
-              <a:rPr/>
-              <a:t> </a:t>
-            </a:r>
-            <a:r>
-              <a:rPr/>
-              <a:t>the</a:t>
-            </a:r>
-            <a:r>
-              <a:rPr/>
-              <a:t> </a:t>
-            </a:r>
-            <a:r>
-              <a:rPr/>
-              <a:t>media?</a:t>
-            </a:r>
-            <a:r>
-              <a:rPr/>
-              <a:t> </a:t>
-            </a:r>
-            <a:r>
-              <a:rPr/>
-              <a:t>It’s</a:t>
-            </a:r>
-            <a:r>
-              <a:rPr/>
-              <a:t> </a:t>
-            </a:r>
-            <a:r>
-              <a:rPr/>
-              <a:t>important</a:t>
-            </a:r>
-            <a:r>
-              <a:rPr/>
-              <a:t> </a:t>
-            </a:r>
-            <a:r>
-              <a:rPr/>
-              <a:t>to</a:t>
-            </a:r>
-            <a:r>
-              <a:rPr/>
-              <a:t> </a:t>
-            </a:r>
-            <a:r>
-              <a:rPr/>
-              <a:t>remember</a:t>
-            </a:r>
-            <a:r>
-              <a:rPr/>
-              <a:t> </a:t>
-            </a:r>
-            <a:r>
-              <a:rPr/>
-              <a:t>that</a:t>
-            </a:r>
-            <a:r>
-              <a:rPr/>
-              <a:t> </a:t>
-            </a:r>
-            <a:r>
-              <a:rPr/>
-              <a:t>computer</a:t>
-            </a:r>
-            <a:r>
-              <a:rPr/>
-              <a:t> </a:t>
-            </a:r>
-            <a:r>
-              <a:rPr/>
-              <a:t>programming</a:t>
-            </a:r>
-            <a:r>
-              <a:rPr/>
-              <a:t> </a:t>
-            </a:r>
-            <a:r>
-              <a:rPr/>
-              <a:t>wasn’t</a:t>
-            </a:r>
-            <a:r>
-              <a:rPr/>
-              <a:t> </a:t>
-            </a:r>
-            <a:r>
-              <a:rPr/>
-              <a:t>invented</a:t>
-            </a:r>
-            <a:r>
-              <a:rPr/>
-              <a:t> </a:t>
-            </a:r>
-            <a:r>
-              <a:rPr/>
-              <a:t>in</a:t>
-            </a:r>
-            <a:r>
-              <a:rPr/>
-              <a:t> </a:t>
-            </a:r>
-            <a:r>
-              <a:rPr/>
-              <a:t>Silicon</a:t>
-            </a:r>
-            <a:r>
-              <a:rPr/>
-              <a:t> </a:t>
-            </a:r>
-            <a:r>
-              <a:rPr/>
-              <a:t>Valley</a:t>
-            </a:r>
-            <a:r>
-              <a:rPr/>
-              <a:t> </a:t>
-            </a:r>
-            <a:r>
-              <a:rPr/>
-              <a:t>and</a:t>
-            </a:r>
-            <a:r>
-              <a:rPr/>
-              <a:t> </a:t>
-            </a:r>
-            <a:r>
-              <a:rPr/>
-              <a:t>is</a:t>
-            </a:r>
-            <a:r>
-              <a:rPr/>
-              <a:t> </a:t>
-            </a:r>
-            <a:r>
-              <a:rPr/>
               <a:t>a</a:t>
             </a:r>
             <a:r>
@@ -961,7 +1032,15 @@
             </a:r>
             <a:r>
               <a:rPr/>
-              <a:t>field</a:t>
+              <a:t>long</a:t>
+            </a:r>
+            <a:r>
+              <a:rPr/>
+              <a:t> </a:t>
+            </a:r>
+            <a:r>
+              <a:rPr/>
+              <a:t>history</a:t>
             </a:r>
             <a:r>
               <a:rPr/>
@@ -977,39 +1056,15 @@
             </a:r>
             <a:r>
               <a:rPr/>
-              <a:t>a</a:t>
-            </a:r>
-            <a:r>
-              <a:rPr/>
-              <a:t> </a:t>
-            </a:r>
-            <a:r>
-              <a:rPr/>
-              <a:t>long</a:t>
-            </a:r>
-            <a:r>
-              <a:rPr/>
-              <a:t> </a:t>
-            </a:r>
-            <a:r>
-              <a:rPr/>
-              <a:t>history</a:t>
-            </a:r>
-            <a:r>
-              <a:rPr/>
-              <a:t> </a:t>
-            </a:r>
-            <a:r>
-              <a:rPr/>
-              <a:t>with</a:t>
-            </a:r>
-            <a:r>
-              <a:rPr/>
-              <a:t> </a:t>
-            </a:r>
-            <a:r>
-              <a:rPr/>
-              <a:t>multicultural</a:t>
+              <a:t>many</a:t>
+            </a:r>
+            <a:r>
+              <a:rPr/>
+              <a:t> </a:t>
+            </a:r>
+            <a:r>
+              <a:rPr/>
+              <a:t>cultural</a:t>
             </a:r>
             <a:r>
               <a:rPr/>
@@ -1231,7 +1286,7 @@
           <a:p>
             <a:fld id="{241EB5C9-1307-BA42-ABA2-0BC069CD8E7F}" type="datetimeFigureOut">
               <a:rPr lang="en-US" smtClean="0"/>
-              <a:t>2/17/2018</a:t>
+              <a:t>4/5/2019</a:t>
             </a:fld>
             <a:endParaRPr lang="en-US"/>
           </a:p>
@@ -1401,7 +1456,7 @@
           <a:p>
             <a:fld id="{241EB5C9-1307-BA42-ABA2-0BC069CD8E7F}" type="datetimeFigureOut">
               <a:rPr lang="en-US" smtClean="0"/>
-              <a:t>2/17/2018</a:t>
+              <a:t>4/5/2019</a:t>
             </a:fld>
             <a:endParaRPr lang="en-US"/>
           </a:p>
@@ -1581,7 +1636,7 @@
           <a:p>
             <a:fld id="{241EB5C9-1307-BA42-ABA2-0BC069CD8E7F}" type="datetimeFigureOut">
               <a:rPr lang="en-US" smtClean="0"/>
-              <a:t>2/17/2018</a:t>
+              <a:t>4/5/2019</a:t>
             </a:fld>
             <a:endParaRPr lang="en-US"/>
           </a:p>
@@ -1751,7 +1806,7 @@
           <a:p>
             <a:fld id="{241EB5C9-1307-BA42-ABA2-0BC069CD8E7F}" type="datetimeFigureOut">
               <a:rPr lang="en-US" smtClean="0"/>
-              <a:t>2/17/2018</a:t>
+              <a:t>4/5/2019</a:t>
             </a:fld>
             <a:endParaRPr lang="en-US"/>
           </a:p>
@@ -1997,7 +2052,7 @@
           <a:p>
             <a:fld id="{241EB5C9-1307-BA42-ABA2-0BC069CD8E7F}" type="datetimeFigureOut">
               <a:rPr lang="en-US" smtClean="0"/>
-              <a:t>2/17/2018</a:t>
+              <a:t>4/5/2019</a:t>
             </a:fld>
             <a:endParaRPr lang="en-US"/>
           </a:p>
@@ -2285,7 +2340,7 @@
           <a:p>
             <a:fld id="{241EB5C9-1307-BA42-ABA2-0BC069CD8E7F}" type="datetimeFigureOut">
               <a:rPr lang="en-US" smtClean="0"/>
-              <a:t>2/17/2018</a:t>
+              <a:t>4/5/2019</a:t>
             </a:fld>
             <a:endParaRPr lang="en-US"/>
           </a:p>
@@ -2707,7 +2762,7 @@
           <a:p>
             <a:fld id="{241EB5C9-1307-BA42-ABA2-0BC069CD8E7F}" type="datetimeFigureOut">
               <a:rPr lang="en-US" smtClean="0"/>
-              <a:t>2/17/2018</a:t>
+              <a:t>4/5/2019</a:t>
             </a:fld>
             <a:endParaRPr lang="en-US"/>
           </a:p>
@@ -2825,7 +2880,7 @@
           <a:p>
             <a:fld id="{241EB5C9-1307-BA42-ABA2-0BC069CD8E7F}" type="datetimeFigureOut">
               <a:rPr lang="en-US" smtClean="0"/>
-              <a:t>2/17/2018</a:t>
+              <a:t>4/5/2019</a:t>
             </a:fld>
             <a:endParaRPr lang="en-US"/>
           </a:p>
@@ -2920,7 +2975,7 @@
           <a:p>
             <a:fld id="{241EB5C9-1307-BA42-ABA2-0BC069CD8E7F}" type="datetimeFigureOut">
               <a:rPr lang="en-US" smtClean="0"/>
-              <a:t>2/17/2018</a:t>
+              <a:t>4/5/2019</a:t>
             </a:fld>
             <a:endParaRPr lang="en-US"/>
           </a:p>
@@ -3197,7 +3252,7 @@
           <a:p>
             <a:fld id="{241EB5C9-1307-BA42-ABA2-0BC069CD8E7F}" type="datetimeFigureOut">
               <a:rPr lang="en-US" smtClean="0"/>
-              <a:t>2/17/2018</a:t>
+              <a:t>4/5/2019</a:t>
             </a:fld>
             <a:endParaRPr lang="en-US"/>
           </a:p>
@@ -3450,7 +3505,7 @@
           <a:p>
             <a:fld id="{241EB5C9-1307-BA42-ABA2-0BC069CD8E7F}" type="datetimeFigureOut">
               <a:rPr lang="en-US" smtClean="0"/>
-              <a:t>2/17/2018</a:t>
+              <a:t>4/5/2019</a:t>
             </a:fld>
             <a:endParaRPr lang="en-US"/>
           </a:p>
@@ -3663,7 +3718,7 @@
           <a:p>
             <a:fld id="{241EB5C9-1307-BA42-ABA2-0BC069CD8E7F}" type="datetimeFigureOut">
               <a:rPr lang="en-US" smtClean="0"/>
-              <a:t>2/17/2018</a:t>
+              <a:t>4/5/2019</a:t>
             </a:fld>
             <a:endParaRPr lang="en-US"/>
           </a:p>
@@ -4091,8 +4146,631 @@
             <a:pPr lvl="0" marL="0" indent="0">
               <a:buNone/>
             </a:pPr>
+            <a:r>
+              <a:rPr/>
+              <a:t>Structuring</a:t>
+            </a:r>
+            <a:r>
+              <a:rPr/>
+              <a:t> </a:t>
+            </a:r>
+            <a:r>
+              <a:rPr/>
+              <a:t>Computer</a:t>
+            </a:r>
+            <a:r>
+              <a:rPr/>
+              <a:t> </a:t>
+            </a:r>
+            <a:r>
+              <a:rPr/>
+              <a:t>Programs</a:t>
+            </a:r>
             <a:br/>
             <a:br/>
+          </a:p>
+        </p:txBody>
+      </p:sp>
+    </p:spTree>
+  </p:cSld>
+</p:sld>
+</file>
+
+<file path=ppt/slides/slide10.xml><?xml version="1.0" encoding="utf-8"?>
+<p:sld xmlns:a="http://schemas.openxmlformats.org/drawingml/2006/main" xmlns:r="http://schemas.openxmlformats.org/officeDocument/2006/relationships" xmlns:p="http://schemas.openxmlformats.org/presentationml/2006/main">
+  <p:cSld>
+    <p:spTree>
+      <p:nvGrpSpPr>
+        <p:cNvPr id="1" name=""/>
+        <p:cNvGrpSpPr/>
+        <p:nvPr/>
+      </p:nvGrpSpPr>
+      <p:grpSpPr>
+        <a:xfrm>
+          <a:off x="0" y="0"/>
+          <a:ext cx="0" cy="0"/>
+          <a:chOff x="0" y="0"/>
+          <a:chExt cx="0" cy="0"/>
+        </a:xfrm>
+      </p:grpSpPr>
+      <p:sp>
+        <p:nvSpPr>
+          <p:cNvPr id="3" name="Content Placeholder 2"/>
+          <p:cNvSpPr>
+            <a:spLocks noGrp="1"/>
+          </p:cNvSpPr>
+          <p:nvPr>
+            <p:ph idx="1"/>
+          </p:nvPr>
+        </p:nvSpPr>
+        <p:spPr/>
+        <p:txBody>
+          <a:bodyPr/>
+          <a:lstStyle/>
+          <a:p>
+            <a:pPr lvl="0" marL="0" indent="0">
+              <a:buNone/>
+            </a:pPr>
+            <a:r>
+              <a:rPr/>
+              <a:t>Modify the hours_in_year function to return the seconds in a year:</a:t>
+            </a:r>
+          </a:p>
+          <a:p>
+            <a:pPr lvl="0" indent="0">
+              <a:buNone/>
+            </a:pPr>
+            <a:r>
+              <a:rPr b="1">
+                <a:solidFill>
+                  <a:srgbClr val="007020"/>
+                </a:solidFill>
+                <a:latin typeface="Courier"/>
+              </a:rPr>
+              <a:t>def</a:t>
+            </a:r>
+            <a:r>
+              <a:rPr>
+                <a:latin typeface="Courier"/>
+              </a:rPr>
+              <a:t> seconds_in_year(year):</a:t>
+            </a:r>
+            <a:br/>
+            <a:r>
+              <a:rPr>
+                <a:latin typeface="Courier"/>
+              </a:rPr>
+              <a:t>    days </a:t>
+            </a:r>
+            <a:r>
+              <a:rPr>
+                <a:solidFill>
+                  <a:srgbClr val="666666"/>
+                </a:solidFill>
+                <a:latin typeface="Courier"/>
+              </a:rPr>
+              <a:t>=</a:t>
+            </a:r>
+            <a:r>
+              <a:rPr>
+                <a:latin typeface="Courier"/>
+              </a:rPr>
+              <a:t> year </a:t>
+            </a:r>
+            <a:r>
+              <a:rPr>
+                <a:solidFill>
+                  <a:srgbClr val="666666"/>
+                </a:solidFill>
+                <a:latin typeface="Courier"/>
+              </a:rPr>
+              <a:t>*</a:t>
+            </a:r>
+            <a:r>
+              <a:rPr>
+                <a:latin typeface="Courier"/>
+              </a:rPr>
+              <a:t> </a:t>
+            </a:r>
+            <a:r>
+              <a:rPr>
+                <a:solidFill>
+                  <a:srgbClr val="40A070"/>
+                </a:solidFill>
+                <a:latin typeface="Courier"/>
+              </a:rPr>
+              <a:t>365</a:t>
+            </a:r>
+            <a:br/>
+            <a:r>
+              <a:rPr>
+                <a:latin typeface="Courier"/>
+              </a:rPr>
+              <a:t>    hours </a:t>
+            </a:r>
+            <a:r>
+              <a:rPr>
+                <a:solidFill>
+                  <a:srgbClr val="666666"/>
+                </a:solidFill>
+                <a:latin typeface="Courier"/>
+              </a:rPr>
+              <a:t>=</a:t>
+            </a:r>
+            <a:r>
+              <a:rPr>
+                <a:latin typeface="Courier"/>
+              </a:rPr>
+              <a:t> days </a:t>
+            </a:r>
+            <a:r>
+              <a:rPr>
+                <a:solidFill>
+                  <a:srgbClr val="666666"/>
+                </a:solidFill>
+                <a:latin typeface="Courier"/>
+              </a:rPr>
+              <a:t>*</a:t>
+            </a:r>
+            <a:r>
+              <a:rPr>
+                <a:latin typeface="Courier"/>
+              </a:rPr>
+              <a:t> </a:t>
+            </a:r>
+            <a:r>
+              <a:rPr>
+                <a:solidFill>
+                  <a:srgbClr val="40A070"/>
+                </a:solidFill>
+                <a:latin typeface="Courier"/>
+              </a:rPr>
+              <a:t>24</a:t>
+            </a:r>
+            <a:br/>
+            <a:r>
+              <a:rPr>
+                <a:latin typeface="Courier"/>
+              </a:rPr>
+              <a:t>    minutes </a:t>
+            </a:r>
+            <a:r>
+              <a:rPr>
+                <a:solidFill>
+                  <a:srgbClr val="666666"/>
+                </a:solidFill>
+                <a:latin typeface="Courier"/>
+              </a:rPr>
+              <a:t>=</a:t>
+            </a:r>
+            <a:r>
+              <a:rPr>
+                <a:latin typeface="Courier"/>
+              </a:rPr>
+              <a:t> hours </a:t>
+            </a:r>
+            <a:r>
+              <a:rPr>
+                <a:solidFill>
+                  <a:srgbClr val="666666"/>
+                </a:solidFill>
+                <a:latin typeface="Courier"/>
+              </a:rPr>
+              <a:t>*</a:t>
+            </a:r>
+            <a:r>
+              <a:rPr>
+                <a:latin typeface="Courier"/>
+              </a:rPr>
+              <a:t> </a:t>
+            </a:r>
+            <a:r>
+              <a:rPr>
+                <a:solidFill>
+                  <a:srgbClr val="40A070"/>
+                </a:solidFill>
+                <a:latin typeface="Courier"/>
+              </a:rPr>
+              <a:t>60</a:t>
+            </a:r>
+            <a:br/>
+            <a:r>
+              <a:rPr>
+                <a:latin typeface="Courier"/>
+              </a:rPr>
+              <a:t>    seconds </a:t>
+            </a:r>
+            <a:r>
+              <a:rPr>
+                <a:solidFill>
+                  <a:srgbClr val="666666"/>
+                </a:solidFill>
+                <a:latin typeface="Courier"/>
+              </a:rPr>
+              <a:t>=</a:t>
+            </a:r>
+            <a:r>
+              <a:rPr>
+                <a:latin typeface="Courier"/>
+              </a:rPr>
+              <a:t> minutes </a:t>
+            </a:r>
+            <a:r>
+              <a:rPr>
+                <a:solidFill>
+                  <a:srgbClr val="666666"/>
+                </a:solidFill>
+                <a:latin typeface="Courier"/>
+              </a:rPr>
+              <a:t>*</a:t>
+            </a:r>
+            <a:r>
+              <a:rPr>
+                <a:latin typeface="Courier"/>
+              </a:rPr>
+              <a:t> </a:t>
+            </a:r>
+            <a:r>
+              <a:rPr>
+                <a:solidFill>
+                  <a:srgbClr val="40A070"/>
+                </a:solidFill>
+                <a:latin typeface="Courier"/>
+              </a:rPr>
+              <a:t>60</a:t>
+            </a:r>
+            <a:br/>
+            <a:r>
+              <a:rPr>
+                <a:latin typeface="Courier"/>
+              </a:rPr>
+              <a:t>    </a:t>
+            </a:r>
+            <a:r>
+              <a:rPr b="1">
+                <a:solidFill>
+                  <a:srgbClr val="007020"/>
+                </a:solidFill>
+                <a:latin typeface="Courier"/>
+              </a:rPr>
+              <a:t>return</a:t>
+            </a:r>
+            <a:r>
+              <a:rPr>
+                <a:latin typeface="Courier"/>
+              </a:rPr>
+              <a:t> seconds</a:t>
+            </a:r>
+            <a:br/>
+            <a:br/>
+            <a:r>
+              <a:rPr>
+                <a:latin typeface="Courier"/>
+              </a:rPr>
+              <a:t>print(seconds_in_year(</a:t>
+            </a:r>
+            <a:r>
+              <a:rPr>
+                <a:solidFill>
+                  <a:srgbClr val="40A070"/>
+                </a:solidFill>
+                <a:latin typeface="Courier"/>
+              </a:rPr>
+              <a:t>3</a:t>
+            </a:r>
+            <a:r>
+              <a:rPr>
+                <a:latin typeface="Courier"/>
+              </a:rPr>
+              <a:t>))</a:t>
+            </a:r>
+          </a:p>
+          <a:p>
+            <a:pPr lvl="0" marL="0" indent="0">
+              <a:buNone/>
+            </a:pPr>
+            <a:r>
+              <a:rPr b="1"/>
+              <a:t>94608000</a:t>
+            </a:r>
+          </a:p>
+        </p:txBody>
+      </p:sp>
+    </p:spTree>
+  </p:cSld>
+</p:sld>
+</file>
+
+<file path=ppt/slides/slide11.xml><?xml version="1.0" encoding="utf-8"?>
+<p:sld xmlns:a="http://schemas.openxmlformats.org/drawingml/2006/main" xmlns:r="http://schemas.openxmlformats.org/officeDocument/2006/relationships" xmlns:p="http://schemas.openxmlformats.org/presentationml/2006/main">
+  <p:cSld>
+    <p:spTree>
+      <p:nvGrpSpPr>
+        <p:cNvPr id="1" name=""/>
+        <p:cNvGrpSpPr/>
+        <p:nvPr/>
+      </p:nvGrpSpPr>
+      <p:grpSpPr>
+        <a:xfrm>
+          <a:off x="0" y="0"/>
+          <a:ext cx="0" cy="0"/>
+          <a:chOff x="0" y="0"/>
+          <a:chExt cx="0" cy="0"/>
+        </a:xfrm>
+      </p:grpSpPr>
+      <p:sp>
+        <p:nvSpPr>
+          <p:cNvPr id="2" name="Title 1"/>
+          <p:cNvSpPr>
+            <a:spLocks noGrp="1"/>
+          </p:cNvSpPr>
+          <p:nvPr>
+            <p:ph type="title"/>
+          </p:nvPr>
+        </p:nvSpPr>
+        <p:spPr/>
+        <p:txBody>
+          <a:bodyPr/>
+          <a:lstStyle/>
+          <a:p>
+            <a:pPr lvl="0" marL="0" indent="0">
+              <a:buNone/>
+            </a:pPr>
+            <a:r>
+              <a:rPr/>
+              <a:t>Modules</a:t>
+            </a:r>
+          </a:p>
+        </p:txBody>
+      </p:sp>
+      <p:sp>
+        <p:nvSpPr>
+          <p:cNvPr id="3" name="Content Placeholder 2"/>
+          <p:cNvSpPr>
+            <a:spLocks noGrp="1"/>
+          </p:cNvSpPr>
+          <p:nvPr>
+            <p:ph idx="1"/>
+          </p:nvPr>
+        </p:nvSpPr>
+        <p:spPr/>
+        <p:txBody>
+          <a:bodyPr/>
+          <a:lstStyle/>
+          <a:p>
+            <a:pPr lvl="0" marL="0" indent="0">
+              <a:buNone/>
+            </a:pPr>
+            <a:r>
+              <a:rPr/>
+              <a:t>Python comes with lots of functions that are organized into </a:t>
+            </a:r>
+            <a:r>
+              <a:rPr b="1"/>
+              <a:t>modules</a:t>
+            </a:r>
+            <a:r>
+              <a:rPr/>
+              <a:t>, which we’ll be talking about later in the semester.</a:t>
+            </a:r>
+          </a:p>
+          <a:p>
+            <a:pPr lvl="0" indent="0">
+              <a:buNone/>
+            </a:pPr>
+            <a:r>
+              <a:rPr>
+                <a:latin typeface="Courier"/>
+              </a:rPr>
+              <a:t>import random</a:t>
+            </a:r>
+            <a:br/>
+            <a:br/>
+            <a:r>
+              <a:rPr>
+                <a:latin typeface="Courier"/>
+              </a:rPr>
+              <a:t>x </a:t>
+            </a:r>
+            <a:r>
+              <a:rPr>
+                <a:solidFill>
+                  <a:srgbClr val="666666"/>
+                </a:solidFill>
+                <a:latin typeface="Courier"/>
+              </a:rPr>
+              <a:t>=</a:t>
+            </a:r>
+            <a:r>
+              <a:rPr>
+                <a:latin typeface="Courier"/>
+              </a:rPr>
+              <a:t> random.randint(</a:t>
+            </a:r>
+            <a:r>
+              <a:rPr>
+                <a:solidFill>
+                  <a:srgbClr val="40A070"/>
+                </a:solidFill>
+                <a:latin typeface="Courier"/>
+              </a:rPr>
+              <a:t>0</a:t>
+            </a:r>
+            <a:r>
+              <a:rPr>
+                <a:latin typeface="Courier"/>
+              </a:rPr>
+              <a:t>, </a:t>
+            </a:r>
+            <a:r>
+              <a:rPr>
+                <a:solidFill>
+                  <a:srgbClr val="40A070"/>
+                </a:solidFill>
+                <a:latin typeface="Courier"/>
+              </a:rPr>
+              <a:t>50</a:t>
+            </a:r>
+            <a:r>
+              <a:rPr>
+                <a:latin typeface="Courier"/>
+              </a:rPr>
+              <a:t>)</a:t>
+            </a:r>
+            <a:br/>
+            <a:r>
+              <a:rPr>
+                <a:latin typeface="Courier"/>
+              </a:rPr>
+              <a:t>print(x)</a:t>
+            </a:r>
+          </a:p>
+          <a:p>
+            <a:pPr lvl="0" marL="0" indent="0">
+              <a:buNone/>
+            </a:pPr>
+            <a:r>
+              <a:rPr/>
+              <a:t>31</a:t>
+            </a:r>
+          </a:p>
+        </p:txBody>
+      </p:sp>
+    </p:spTree>
+  </p:cSld>
+</p:sld>
+</file>
+
+<file path=ppt/slides/slide12.xml><?xml version="1.0" encoding="utf-8"?>
+<p:sld xmlns:a="http://schemas.openxmlformats.org/drawingml/2006/main" xmlns:r="http://schemas.openxmlformats.org/officeDocument/2006/relationships" xmlns:p="http://schemas.openxmlformats.org/presentationml/2006/main">
+  <p:cSld>
+    <p:spTree>
+      <p:nvGrpSpPr>
+        <p:cNvPr id="1" name=""/>
+        <p:cNvGrpSpPr/>
+        <p:nvPr/>
+      </p:nvGrpSpPr>
+      <p:grpSpPr>
+        <a:xfrm>
+          <a:off x="0" y="0"/>
+          <a:ext cx="0" cy="0"/>
+          <a:chOff x="0" y="0"/>
+          <a:chExt cx="0" cy="0"/>
+        </a:xfrm>
+      </p:grpSpPr>
+      <p:sp>
+        <p:nvSpPr>
+          <p:cNvPr id="2" name="Title 1"/>
+          <p:cNvSpPr>
+            <a:spLocks noGrp="1"/>
+          </p:cNvSpPr>
+          <p:nvPr>
+            <p:ph type="title"/>
+          </p:nvPr>
+        </p:nvSpPr>
+        <p:spPr/>
+        <p:txBody>
+          <a:bodyPr/>
+          <a:lstStyle/>
+          <a:p>
+            <a:pPr lvl="0" marL="0" indent="0">
+              <a:buNone/>
+            </a:pPr>
+            <a:r>
+              <a:rPr/>
+              <a:t>Review</a:t>
+            </a:r>
+          </a:p>
+        </p:txBody>
+      </p:sp>
+      <p:sp>
+        <p:nvSpPr>
+          <p:cNvPr id="3" name="Content Placeholder 2"/>
+          <p:cNvSpPr>
+            <a:spLocks noGrp="1"/>
+          </p:cNvSpPr>
+          <p:nvPr>
+            <p:ph idx="1"/>
+          </p:nvPr>
+        </p:nvSpPr>
+        <p:spPr/>
+        <p:txBody>
+          <a:bodyPr/>
+          <a:lstStyle/>
+          <a:p>
+            <a:pPr lvl="1"/>
+            <a:r>
+              <a:rPr/>
+              <a:t>Functions are a useful organizational technique for solving problems.</a:t>
+            </a:r>
+          </a:p>
+          <a:p>
+            <a:pPr lvl="1"/>
+            <a:r>
+              <a:rPr/>
+              <a:t>Use the </a:t>
+            </a:r>
+            <a:r>
+              <a:rPr b="1"/>
+              <a:t>def</a:t>
+            </a:r>
+            <a:r>
+              <a:rPr/>
+              <a:t> keyword to declare a function that can have optional </a:t>
+            </a:r>
+            <a:r>
+              <a:rPr b="1"/>
+              <a:t>paramters</a:t>
+            </a:r>
+            <a:r>
+              <a:rPr/>
+              <a:t>.</a:t>
+            </a:r>
+          </a:p>
+          <a:p>
+            <a:pPr lvl="1"/>
+            <a:r>
+              <a:rPr/>
+              <a:t>Every function has a </a:t>
+            </a:r>
+            <a:r>
+              <a:rPr b="1"/>
+              <a:t>return</a:t>
+            </a:r>
+            <a:r>
+              <a:rPr/>
+              <a:t> value.</a:t>
+            </a:r>
+          </a:p>
+          <a:p>
+            <a:pPr lvl="1"/>
+            <a:r>
+              <a:rPr/>
+              <a:t>You call a function using its </a:t>
+            </a:r>
+            <a:r>
+              <a:rPr b="1"/>
+              <a:t>name</a:t>
+            </a:r>
+            <a:r>
+              <a:rPr/>
+              <a:t> and by passing any variables as arguments.</a:t>
+            </a:r>
+          </a:p>
+          <a:p>
+            <a:pPr lvl="1"/>
+            <a:r>
+              <a:rPr/>
+              <a:t>Functions can be organized into </a:t>
+            </a:r>
+            <a:r>
+              <a:rPr b="1"/>
+              <a:t>modules</a:t>
+            </a:r>
+            <a:r>
+              <a:rPr/>
+              <a:t> (we’ll cover this later)</a:t>
+            </a:r>
           </a:p>
         </p:txBody>
       </p:sp>
@@ -4166,7 +4844,7 @@
               <a:t>The </a:t>
             </a:r>
             <a:r>
-              <a:rPr i="1"/>
+              <a:rPr b="1"/>
               <a:t>function</a:t>
             </a:r>
             <a:r>
@@ -4475,15 +5153,15 @@
             </a:r>
             <a:r>
               <a:rPr/>
-              <a:t> built-in functions that you can learn as you need them.</a:t>
-            </a:r>
-          </a:p>
-          <a:p>
-            <a:pPr lvl="0" marL="1270000" indent="0">
+              <a:t> built-in functions, some of which you may have seen before:</a:t>
+            </a:r>
+          </a:p>
+          <a:p>
+            <a:pPr lvl="0" indent="0">
               <a:buNone/>
             </a:pPr>
             <a:r>
-              <a:rPr sz="1800">
+              <a:rPr>
                 <a:solidFill>
                   <a:srgbClr val="666666"/>
                 </a:solidFill>
@@ -4492,13 +5170,13 @@
               <a:t>&gt;&gt;&gt;</a:t>
             </a:r>
             <a:r>
-              <a:rPr sz="1800">
+              <a:rPr>
                 <a:latin typeface="Courier"/>
               </a:rPr>
               <a:t> print(</a:t>
             </a:r>
             <a:r>
-              <a:rPr sz="1800">
+              <a:rPr>
                 <a:solidFill>
                   <a:srgbClr val="4070A0"/>
                 </a:solidFill>
@@ -4507,25 +5185,25 @@
               <a:t>"hello world!"</a:t>
             </a:r>
             <a:r>
-              <a:rPr sz="1800">
+              <a:rPr>
                 <a:latin typeface="Courier"/>
               </a:rPr>
               <a:t>)</a:t>
             </a:r>
             <a:br/>
             <a:r>
-              <a:rPr sz="1800">
+              <a:rPr>
                 <a:latin typeface="Courier"/>
               </a:rPr>
               <a:t>Hello World</a:t>
             </a:r>
           </a:p>
           <a:p>
-            <a:pPr lvl="0" marL="1270000" indent="0">
+            <a:pPr lvl="0" indent="0">
               <a:buNone/>
             </a:pPr>
             <a:r>
-              <a:rPr sz="1800">
+              <a:rPr>
                 <a:solidFill>
                   <a:srgbClr val="666666"/>
                 </a:solidFill>
@@ -4534,13 +5212,13 @@
               <a:t>&gt;&gt;&gt;</a:t>
             </a:r>
             <a:r>
-              <a:rPr sz="1800">
+              <a:rPr>
                 <a:latin typeface="Courier"/>
               </a:rPr>
               <a:t> len(</a:t>
             </a:r>
             <a:r>
-              <a:rPr sz="1800">
+              <a:rPr>
                 <a:solidFill>
                   <a:srgbClr val="4070A0"/>
                 </a:solidFill>
@@ -4549,14 +5227,14 @@
               <a:t>"Hello World!"</a:t>
             </a:r>
             <a:r>
-              <a:rPr sz="1800">
+              <a:rPr>
                 <a:latin typeface="Courier"/>
               </a:rPr>
               <a:t>)</a:t>
             </a:r>
             <a:br/>
             <a:r>
-              <a:rPr sz="1800">
+              <a:rPr>
                 <a:solidFill>
                   <a:srgbClr val="40A070"/>
                 </a:solidFill>
@@ -4609,15 +5287,15 @@
             </a:pPr>
             <a:r>
               <a:rPr/>
-              <a:t>User-Defined</a:t>
-            </a:r>
-            <a:r>
-              <a:rPr/>
-              <a:t> </a:t>
-            </a:r>
-            <a:r>
-              <a:rPr/>
-              <a:t>Functions</a:t>
+              <a:t>Problem</a:t>
+            </a:r>
+            <a:r>
+              <a:rPr/>
+              <a:t> </a:t>
+            </a:r>
+            <a:r>
+              <a:rPr/>
+              <a:t>Solving</a:t>
             </a:r>
           </a:p>
         </p:txBody>
@@ -4656,7 +5334,7 @@
             </a:r>
             <a:r>
               <a:rPr b="1"/>
-              <a:t>Big Problem</a:t>
+              <a:t>large problem</a:t>
             </a:r>
             <a:r>
               <a:rPr/>
@@ -4677,7 +5355,7 @@
             </a:pPr>
             <a:r>
               <a:rPr/>
-              <a:t>For example, to make a peanut butter &amp; jelly sandwich you:</a:t>
+              <a:t>Consider how to make a peanut butter &amp; jelly sandwich:</a:t>
             </a:r>
           </a:p>
           <a:p>
@@ -4714,6 +5392,808 @@
             <a:r>
               <a:rPr/>
               <a:t>Put the two pieces of bread together. 🥪</a:t>
+            </a:r>
+          </a:p>
+        </p:txBody>
+      </p:sp>
+    </p:spTree>
+  </p:cSld>
+</p:sld>
+</file>
+
+<file path=ppt/slides/slide6.xml><?xml version="1.0" encoding="utf-8"?>
+<p:sld xmlns:a="http://schemas.openxmlformats.org/drawingml/2006/main" xmlns:r="http://schemas.openxmlformats.org/officeDocument/2006/relationships" xmlns:p="http://schemas.openxmlformats.org/presentationml/2006/main">
+  <p:cSld>
+    <p:spTree>
+      <p:nvGrpSpPr>
+        <p:cNvPr id="1" name=""/>
+        <p:cNvGrpSpPr/>
+        <p:nvPr/>
+      </p:nvGrpSpPr>
+      <p:grpSpPr>
+        <a:xfrm>
+          <a:off x="0" y="0"/>
+          <a:ext cx="0" cy="0"/>
+          <a:chOff x="0" y="0"/>
+          <a:chExt cx="0" cy="0"/>
+        </a:xfrm>
+      </p:grpSpPr>
+      <p:sp>
+        <p:nvSpPr>
+          <p:cNvPr id="2" name="Title 1"/>
+          <p:cNvSpPr>
+            <a:spLocks noGrp="1"/>
+          </p:cNvSpPr>
+          <p:nvPr>
+            <p:ph type="title"/>
+          </p:nvPr>
+        </p:nvSpPr>
+        <p:spPr/>
+        <p:txBody>
+          <a:bodyPr/>
+          <a:lstStyle/>
+          <a:p>
+            <a:pPr lvl="0" marL="0" indent="0">
+              <a:buNone/>
+            </a:pPr>
+            <a:r>
+              <a:rPr/>
+              <a:t>Python</a:t>
+            </a:r>
+            <a:r>
+              <a:rPr/>
+              <a:t> </a:t>
+            </a:r>
+            <a:r>
+              <a:rPr/>
+              <a:t>Functions</a:t>
+            </a:r>
+          </a:p>
+        </p:txBody>
+      </p:sp>
+      <p:sp>
+        <p:nvSpPr>
+          <p:cNvPr id="3" name="Content Placeholder 2"/>
+          <p:cNvSpPr>
+            <a:spLocks noGrp="1"/>
+          </p:cNvSpPr>
+          <p:nvPr>
+            <p:ph idx="1"/>
+          </p:nvPr>
+        </p:nvSpPr>
+        <p:spPr/>
+        <p:txBody>
+          <a:bodyPr/>
+          <a:lstStyle/>
+          <a:p>
+            <a:pPr lvl="0" marL="0" indent="0">
+              <a:buNone/>
+            </a:pPr>
+            <a:r>
+              <a:rPr/>
+              <a:t>Python functions are declared using the </a:t>
+            </a:r>
+            <a:r>
+              <a:rPr b="1"/>
+              <a:t>def</a:t>
+            </a:r>
+            <a:r>
+              <a:rPr/>
+              <a:t> keyword followed by the </a:t>
+            </a:r>
+            <a:r>
+              <a:rPr b="1"/>
+              <a:t>name</a:t>
+            </a:r>
+            <a:r>
+              <a:rPr/>
+              <a:t> for your function. After the name is a set of parentheses containing an optional list of </a:t>
+            </a:r>
+            <a:r>
+              <a:rPr b="1"/>
+              <a:t>parameters</a:t>
+            </a:r>
+            <a:r>
+              <a:rPr/>
+              <a:t>, followed by a colon, which begins the block of your function.</a:t>
+            </a:r>
+          </a:p>
+          <a:p>
+            <a:pPr lvl="0" indent="0">
+              <a:buNone/>
+            </a:pPr>
+            <a:r>
+              <a:rPr b="1">
+                <a:solidFill>
+                  <a:srgbClr val="007020"/>
+                </a:solidFill>
+                <a:latin typeface="Courier"/>
+              </a:rPr>
+              <a:t>def</a:t>
+            </a:r>
+            <a:r>
+              <a:rPr>
+                <a:latin typeface="Courier"/>
+              </a:rPr>
+              <a:t> say_hello(name):</a:t>
+            </a:r>
+            <a:br/>
+            <a:r>
+              <a:rPr>
+                <a:latin typeface="Courier"/>
+              </a:rPr>
+              <a:t>    print(</a:t>
+            </a:r>
+            <a:r>
+              <a:rPr>
+                <a:solidFill>
+                  <a:srgbClr val="4070A0"/>
+                </a:solidFill>
+                <a:latin typeface="Courier"/>
+              </a:rPr>
+              <a:t>"Hello"</a:t>
+            </a:r>
+            <a:r>
+              <a:rPr>
+                <a:latin typeface="Courier"/>
+              </a:rPr>
+              <a:t>, name)</a:t>
+            </a:r>
+            <a:br/>
+            <a:br/>
+            <a:r>
+              <a:rPr>
+                <a:latin typeface="Courier"/>
+              </a:rPr>
+              <a:t>say_hello(</a:t>
+            </a:r>
+            <a:r>
+              <a:rPr>
+                <a:solidFill>
+                  <a:srgbClr val="4070A0"/>
+                </a:solidFill>
+                <a:latin typeface="Courier"/>
+              </a:rPr>
+              <a:t>"Alice"</a:t>
+            </a:r>
+            <a:r>
+              <a:rPr>
+                <a:latin typeface="Courier"/>
+              </a:rPr>
+              <a:t>)</a:t>
+            </a:r>
+            <a:br/>
+            <a:r>
+              <a:rPr>
+                <a:latin typeface="Courier"/>
+              </a:rPr>
+              <a:t>Hello Alice</a:t>
+            </a:r>
+          </a:p>
+        </p:txBody>
+      </p:sp>
+    </p:spTree>
+  </p:cSld>
+</p:sld>
+</file>
+
+<file path=ppt/slides/slide7.xml><?xml version="1.0" encoding="utf-8"?>
+<p:sld xmlns:a="http://schemas.openxmlformats.org/drawingml/2006/main" xmlns:r="http://schemas.openxmlformats.org/officeDocument/2006/relationships" xmlns:p="http://schemas.openxmlformats.org/presentationml/2006/main">
+  <p:cSld>
+    <p:spTree>
+      <p:nvGrpSpPr>
+        <p:cNvPr id="1" name=""/>
+        <p:cNvGrpSpPr/>
+        <p:nvPr/>
+      </p:nvGrpSpPr>
+      <p:grpSpPr>
+        <a:xfrm>
+          <a:off x="0" y="0"/>
+          <a:ext cx="0" cy="0"/>
+          <a:chOff x="0" y="0"/>
+          <a:chExt cx="0" cy="0"/>
+        </a:xfrm>
+      </p:grpSpPr>
+      <p:sp>
+        <p:nvSpPr>
+          <p:cNvPr id="2" name="Title 1"/>
+          <p:cNvSpPr>
+            <a:spLocks noGrp="1"/>
+          </p:cNvSpPr>
+          <p:nvPr>
+            <p:ph type="title"/>
+          </p:nvPr>
+        </p:nvSpPr>
+        <p:spPr/>
+        <p:txBody>
+          <a:bodyPr/>
+          <a:lstStyle/>
+          <a:p>
+            <a:pPr lvl="0" marL="0" indent="0">
+              <a:buNone/>
+            </a:pPr>
+            <a:r>
+              <a:rPr/>
+              <a:t>Return</a:t>
+            </a:r>
+            <a:r>
+              <a:rPr/>
+              <a:t> </a:t>
+            </a:r>
+            <a:r>
+              <a:rPr/>
+              <a:t>Values</a:t>
+            </a:r>
+          </a:p>
+        </p:txBody>
+      </p:sp>
+      <p:sp>
+        <p:nvSpPr>
+          <p:cNvPr id="3" name="Content Placeholder 2"/>
+          <p:cNvSpPr>
+            <a:spLocks noGrp="1"/>
+          </p:cNvSpPr>
+          <p:nvPr>
+            <p:ph idx="1"/>
+          </p:nvPr>
+        </p:nvSpPr>
+        <p:spPr/>
+        <p:txBody>
+          <a:bodyPr/>
+          <a:lstStyle/>
+          <a:p>
+            <a:pPr lvl="0" marL="0" indent="0">
+              <a:buNone/>
+            </a:pPr>
+            <a:r>
+              <a:rPr/>
+              <a:t>Python functions usually </a:t>
+            </a:r>
+            <a:r>
+              <a:rPr b="1"/>
+              <a:t>return</a:t>
+            </a:r>
+            <a:r>
+              <a:rPr/>
+              <a:t> a value. For example here’s a function that calculates the area of a circle using a radius parameter that is passed in:</a:t>
+            </a:r>
+          </a:p>
+          <a:p>
+            <a:pPr lvl="0" indent="0">
+              <a:buNone/>
+            </a:pPr>
+            <a:r>
+              <a:rPr b="1">
+                <a:solidFill>
+                  <a:srgbClr val="007020"/>
+                </a:solidFill>
+                <a:latin typeface="Courier"/>
+              </a:rPr>
+              <a:t>def</a:t>
+            </a:r>
+            <a:r>
+              <a:rPr>
+                <a:latin typeface="Courier"/>
+              </a:rPr>
+              <a:t> area(r):</a:t>
+            </a:r>
+            <a:br/>
+            <a:r>
+              <a:rPr>
+                <a:latin typeface="Courier"/>
+              </a:rPr>
+              <a:t>    </a:t>
+            </a:r>
+            <a:r>
+              <a:rPr b="1">
+                <a:solidFill>
+                  <a:srgbClr val="007020"/>
+                </a:solidFill>
+                <a:latin typeface="Courier"/>
+              </a:rPr>
+              <a:t>return</a:t>
+            </a:r>
+            <a:r>
+              <a:rPr>
+                <a:latin typeface="Courier"/>
+              </a:rPr>
+              <a:t> </a:t>
+            </a:r>
+            <a:r>
+              <a:rPr>
+                <a:solidFill>
+                  <a:srgbClr val="40A070"/>
+                </a:solidFill>
+                <a:latin typeface="Courier"/>
+              </a:rPr>
+              <a:t>3.1415792</a:t>
+            </a:r>
+            <a:r>
+              <a:rPr>
+                <a:latin typeface="Courier"/>
+              </a:rPr>
+              <a:t> </a:t>
+            </a:r>
+            <a:r>
+              <a:rPr>
+                <a:solidFill>
+                  <a:srgbClr val="666666"/>
+                </a:solidFill>
+                <a:latin typeface="Courier"/>
+              </a:rPr>
+              <a:t>*</a:t>
+            </a:r>
+            <a:r>
+              <a:rPr>
+                <a:latin typeface="Courier"/>
+              </a:rPr>
+              <a:t> r </a:t>
+            </a:r>
+            <a:r>
+              <a:rPr>
+                <a:solidFill>
+                  <a:srgbClr val="666666"/>
+                </a:solidFill>
+                <a:latin typeface="Courier"/>
+              </a:rPr>
+              <a:t>**</a:t>
+            </a:r>
+            <a:r>
+              <a:rPr>
+                <a:latin typeface="Courier"/>
+              </a:rPr>
+              <a:t> </a:t>
+            </a:r>
+            <a:r>
+              <a:rPr>
+                <a:solidFill>
+                  <a:srgbClr val="40A070"/>
+                </a:solidFill>
+                <a:latin typeface="Courier"/>
+              </a:rPr>
+              <a:t>2</a:t>
+            </a:r>
+            <a:br/>
+            <a:br/>
+            <a:r>
+              <a:rPr>
+                <a:latin typeface="Courier"/>
+              </a:rPr>
+              <a:t>print(area(</a:t>
+            </a:r>
+            <a:r>
+              <a:rPr>
+                <a:solidFill>
+                  <a:srgbClr val="40A070"/>
+                </a:solidFill>
+                <a:latin typeface="Courier"/>
+              </a:rPr>
+              <a:t>20</a:t>
+            </a:r>
+            <a:r>
+              <a:rPr>
+                <a:latin typeface="Courier"/>
+              </a:rPr>
+              <a:t>))</a:t>
+            </a:r>
+          </a:p>
+          <a:p>
+            <a:pPr lvl="0" marL="0" indent="0">
+              <a:buNone/>
+            </a:pPr>
+            <a:r>
+              <a:rPr b="1"/>
+              <a:t>1256.63168</a:t>
+            </a:r>
+          </a:p>
+        </p:txBody>
+      </p:sp>
+    </p:spTree>
+  </p:cSld>
+</p:sld>
+</file>
+
+<file path=ppt/slides/slide8.xml><?xml version="1.0" encoding="utf-8"?>
+<p:sld xmlns:a="http://schemas.openxmlformats.org/drawingml/2006/main" xmlns:r="http://schemas.openxmlformats.org/officeDocument/2006/relationships" xmlns:p="http://schemas.openxmlformats.org/presentationml/2006/main">
+  <p:cSld>
+    <p:spTree>
+      <p:nvGrpSpPr>
+        <p:cNvPr id="1" name=""/>
+        <p:cNvGrpSpPr/>
+        <p:nvPr/>
+      </p:nvGrpSpPr>
+      <p:grpSpPr>
+        <a:xfrm>
+          <a:off x="0" y="0"/>
+          <a:ext cx="0" cy="0"/>
+          <a:chOff x="0" y="0"/>
+          <a:chExt cx="0" cy="0"/>
+        </a:xfrm>
+      </p:grpSpPr>
+      <p:sp>
+        <p:nvSpPr>
+          <p:cNvPr id="3" name="Content Placeholder 2"/>
+          <p:cNvSpPr>
+            <a:spLocks noGrp="1"/>
+          </p:cNvSpPr>
+          <p:nvPr>
+            <p:ph idx="1"/>
+          </p:nvPr>
+        </p:nvSpPr>
+        <p:spPr/>
+        <p:txBody>
+          <a:bodyPr/>
+          <a:lstStyle/>
+          <a:p>
+            <a:pPr lvl="0" marL="0" indent="0">
+              <a:buNone/>
+            </a:pPr>
+            <a:r>
+              <a:rPr/>
+              <a:t>A function can contain multiple statements. Here’s a function that calculates the number seconds in a given number of years.</a:t>
+            </a:r>
+          </a:p>
+          <a:p>
+            <a:pPr lvl="0" indent="0">
+              <a:buNone/>
+            </a:pPr>
+            <a:r>
+              <a:rPr b="1">
+                <a:solidFill>
+                  <a:srgbClr val="007020"/>
+                </a:solidFill>
+                <a:latin typeface="Courier"/>
+              </a:rPr>
+              <a:t>def</a:t>
+            </a:r>
+            <a:r>
+              <a:rPr>
+                <a:latin typeface="Courier"/>
+              </a:rPr>
+              <a:t> hours_in_year(year):</a:t>
+            </a:r>
+            <a:br/>
+            <a:r>
+              <a:rPr>
+                <a:latin typeface="Courier"/>
+              </a:rPr>
+              <a:t>    days </a:t>
+            </a:r>
+            <a:r>
+              <a:rPr>
+                <a:solidFill>
+                  <a:srgbClr val="666666"/>
+                </a:solidFill>
+                <a:latin typeface="Courier"/>
+              </a:rPr>
+              <a:t>=</a:t>
+            </a:r>
+            <a:r>
+              <a:rPr>
+                <a:latin typeface="Courier"/>
+              </a:rPr>
+              <a:t> year </a:t>
+            </a:r>
+            <a:r>
+              <a:rPr>
+                <a:solidFill>
+                  <a:srgbClr val="666666"/>
+                </a:solidFill>
+                <a:latin typeface="Courier"/>
+              </a:rPr>
+              <a:t>*</a:t>
+            </a:r>
+            <a:r>
+              <a:rPr>
+                <a:latin typeface="Courier"/>
+              </a:rPr>
+              <a:t> </a:t>
+            </a:r>
+            <a:r>
+              <a:rPr>
+                <a:solidFill>
+                  <a:srgbClr val="40A070"/>
+                </a:solidFill>
+                <a:latin typeface="Courier"/>
+              </a:rPr>
+              <a:t>365</a:t>
+            </a:r>
+            <a:br/>
+            <a:r>
+              <a:rPr>
+                <a:latin typeface="Courier"/>
+              </a:rPr>
+              <a:t>    hours </a:t>
+            </a:r>
+            <a:r>
+              <a:rPr>
+                <a:solidFill>
+                  <a:srgbClr val="666666"/>
+                </a:solidFill>
+                <a:latin typeface="Courier"/>
+              </a:rPr>
+              <a:t>=</a:t>
+            </a:r>
+            <a:r>
+              <a:rPr>
+                <a:latin typeface="Courier"/>
+              </a:rPr>
+              <a:t> days </a:t>
+            </a:r>
+            <a:r>
+              <a:rPr>
+                <a:solidFill>
+                  <a:srgbClr val="666666"/>
+                </a:solidFill>
+                <a:latin typeface="Courier"/>
+              </a:rPr>
+              <a:t>*</a:t>
+            </a:r>
+            <a:r>
+              <a:rPr>
+                <a:latin typeface="Courier"/>
+              </a:rPr>
+              <a:t> </a:t>
+            </a:r>
+            <a:r>
+              <a:rPr>
+                <a:solidFill>
+                  <a:srgbClr val="40A070"/>
+                </a:solidFill>
+                <a:latin typeface="Courier"/>
+              </a:rPr>
+              <a:t>24</a:t>
+            </a:r>
+            <a:br/>
+            <a:r>
+              <a:rPr>
+                <a:latin typeface="Courier"/>
+              </a:rPr>
+              <a:t>    </a:t>
+            </a:r>
+            <a:r>
+              <a:rPr b="1">
+                <a:solidFill>
+                  <a:srgbClr val="007020"/>
+                </a:solidFill>
+                <a:latin typeface="Courier"/>
+              </a:rPr>
+              <a:t>return</a:t>
+            </a:r>
+            <a:r>
+              <a:rPr>
+                <a:latin typeface="Courier"/>
+              </a:rPr>
+              <a:t> hours</a:t>
+            </a:r>
+            <a:br/>
+            <a:br/>
+            <a:r>
+              <a:rPr>
+                <a:latin typeface="Courier"/>
+              </a:rPr>
+              <a:t>print(hours_in_year(</a:t>
+            </a:r>
+            <a:r>
+              <a:rPr>
+                <a:solidFill>
+                  <a:srgbClr val="40A070"/>
+                </a:solidFill>
+                <a:latin typeface="Courier"/>
+              </a:rPr>
+              <a:t>5</a:t>
+            </a:r>
+            <a:r>
+              <a:rPr>
+                <a:latin typeface="Courier"/>
+              </a:rPr>
+              <a:t>))</a:t>
+            </a:r>
+          </a:p>
+          <a:p>
+            <a:pPr lvl="0" marL="0" indent="0">
+              <a:buNone/>
+            </a:pPr>
+            <a:r>
+              <a:rPr b="1"/>
+              <a:t>43800</a:t>
+            </a:r>
+          </a:p>
+        </p:txBody>
+      </p:sp>
+    </p:spTree>
+  </p:cSld>
+</p:sld>
+</file>
+
+<file path=ppt/slides/slide9.xml><?xml version="1.0" encoding="utf-8"?>
+<p:sld xmlns:a="http://schemas.openxmlformats.org/drawingml/2006/main" xmlns:r="http://schemas.openxmlformats.org/officeDocument/2006/relationships" xmlns:p="http://schemas.openxmlformats.org/presentationml/2006/main">
+  <p:cSld>
+    <p:spTree>
+      <p:nvGrpSpPr>
+        <p:cNvPr id="1" name=""/>
+        <p:cNvGrpSpPr/>
+        <p:nvPr/>
+      </p:nvGrpSpPr>
+      <p:grpSpPr>
+        <a:xfrm>
+          <a:off x="0" y="0"/>
+          <a:ext cx="0" cy="0"/>
+          <a:chOff x="0" y="0"/>
+          <a:chExt cx="0" cy="0"/>
+        </a:xfrm>
+      </p:grpSpPr>
+      <p:sp>
+        <p:nvSpPr>
+          <p:cNvPr id="3" name="Content Placeholder 2"/>
+          <p:cNvSpPr>
+            <a:spLocks noGrp="1"/>
+          </p:cNvSpPr>
+          <p:nvPr>
+            <p:ph idx="1"/>
+          </p:nvPr>
+        </p:nvSpPr>
+        <p:spPr/>
+        <p:txBody>
+          <a:bodyPr/>
+          <a:lstStyle/>
+          <a:p>
+            <a:pPr lvl="0" marL="0" indent="0">
+              <a:buNone/>
+            </a:pPr>
+            <a:r>
+              <a:rPr/>
+              <a:t>Can you modify the </a:t>
+            </a:r>
+            <a:r>
+              <a:rPr b="1"/>
+              <a:t>hours_in_year</a:t>
+            </a:r>
+            <a:r>
+              <a:rPr/>
+              <a:t> function to return the seconds in a year:</a:t>
+            </a:r>
+          </a:p>
+          <a:p>
+            <a:pPr lvl="0" indent="0">
+              <a:buNone/>
+            </a:pPr>
+            <a:r>
+              <a:rPr b="1">
+                <a:solidFill>
+                  <a:srgbClr val="007020"/>
+                </a:solidFill>
+                <a:latin typeface="Courier"/>
+              </a:rPr>
+              <a:t>def</a:t>
+            </a:r>
+            <a:r>
+              <a:rPr>
+                <a:latin typeface="Courier"/>
+              </a:rPr>
+              <a:t> seconds_in_year(year):</a:t>
+            </a:r>
+            <a:br/>
+            <a:r>
+              <a:rPr>
+                <a:latin typeface="Courier"/>
+              </a:rPr>
+              <a:t>    days </a:t>
+            </a:r>
+            <a:r>
+              <a:rPr>
+                <a:solidFill>
+                  <a:srgbClr val="666666"/>
+                </a:solidFill>
+                <a:latin typeface="Courier"/>
+              </a:rPr>
+              <a:t>=</a:t>
+            </a:r>
+            <a:r>
+              <a:rPr>
+                <a:latin typeface="Courier"/>
+              </a:rPr>
+              <a:t> year </a:t>
+            </a:r>
+            <a:r>
+              <a:rPr>
+                <a:solidFill>
+                  <a:srgbClr val="666666"/>
+                </a:solidFill>
+                <a:latin typeface="Courier"/>
+              </a:rPr>
+              <a:t>*</a:t>
+            </a:r>
+            <a:r>
+              <a:rPr>
+                <a:latin typeface="Courier"/>
+              </a:rPr>
+              <a:t> </a:t>
+            </a:r>
+            <a:r>
+              <a:rPr>
+                <a:solidFill>
+                  <a:srgbClr val="40A070"/>
+                </a:solidFill>
+                <a:latin typeface="Courier"/>
+              </a:rPr>
+              <a:t>365</a:t>
+            </a:r>
+            <a:br/>
+            <a:r>
+              <a:rPr>
+                <a:latin typeface="Courier"/>
+              </a:rPr>
+              <a:t>    hours </a:t>
+            </a:r>
+            <a:r>
+              <a:rPr>
+                <a:solidFill>
+                  <a:srgbClr val="666666"/>
+                </a:solidFill>
+                <a:latin typeface="Courier"/>
+              </a:rPr>
+              <a:t>=</a:t>
+            </a:r>
+            <a:r>
+              <a:rPr>
+                <a:latin typeface="Courier"/>
+              </a:rPr>
+              <a:t> days </a:t>
+            </a:r>
+            <a:r>
+              <a:rPr>
+                <a:solidFill>
+                  <a:srgbClr val="666666"/>
+                </a:solidFill>
+                <a:latin typeface="Courier"/>
+              </a:rPr>
+              <a:t>*</a:t>
+            </a:r>
+            <a:r>
+              <a:rPr>
+                <a:latin typeface="Courier"/>
+              </a:rPr>
+              <a:t> </a:t>
+            </a:r>
+            <a:r>
+              <a:rPr>
+                <a:solidFill>
+                  <a:srgbClr val="40A070"/>
+                </a:solidFill>
+                <a:latin typeface="Courier"/>
+              </a:rPr>
+              <a:t>24</a:t>
+            </a:r>
+            <a:br/>
+            <a:r>
+              <a:rPr>
+                <a:latin typeface="Courier"/>
+              </a:rPr>
+              <a:t>    ...</a:t>
+            </a:r>
+            <a:br/>
+            <a:br/>
+            <a:r>
+              <a:rPr>
+                <a:latin typeface="Courier"/>
+              </a:rPr>
+              <a:t>print(seconds_in_year(</a:t>
+            </a:r>
+            <a:r>
+              <a:rPr>
+                <a:solidFill>
+                  <a:srgbClr val="40A070"/>
+                </a:solidFill>
+                <a:latin typeface="Courier"/>
+              </a:rPr>
+              <a:t>3</a:t>
+            </a:r>
+            <a:r>
+              <a:rPr>
+                <a:latin typeface="Courier"/>
+              </a:rPr>
+              <a:t>))</a:t>
             </a:r>
           </a:p>
         </p:txBody>
